--- a/Presentation_Hangover.pptx
+++ b/Presentation_Hangover.pptx
@@ -7,9 +7,11 @@
   <p:sldIdLst>
     <p:sldId id="256" r:id="rId2"/>
     <p:sldId id="257" r:id="rId3"/>
-    <p:sldId id="258" r:id="rId4"/>
-    <p:sldId id="259" r:id="rId5"/>
-    <p:sldId id="260" r:id="rId6"/>
+    <p:sldId id="261" r:id="rId4"/>
+    <p:sldId id="258" r:id="rId5"/>
+    <p:sldId id="259" r:id="rId6"/>
+    <p:sldId id="260" r:id="rId7"/>
+    <p:sldId id="262" r:id="rId8"/>
   </p:sldIdLst>
   <p:sldSz cx="12192000" cy="6858000"/>
   <p:notesSz cx="6858000" cy="9144000"/>
@@ -5435,76 +5437,6 @@
               <a:buFont typeface="+mj-lt"/>
               <a:buAutoNum type="arabicPeriod"/>
             </a:pPr>
-            <a:r>
-              <a:rPr lang="en-US" dirty="0"/>
-              <a:t>Correlation analysis:</a:t>
-            </a:r>
-          </a:p>
-          <a:p>
-            <a:pPr lvl="4"/>
-            <a:r>
-              <a:rPr lang="en-US" dirty="0"/>
-              <a:t>Most relevant variables (</a:t>
-            </a:r>
-            <a:r>
-              <a:rPr lang="en-US" dirty="0" err="1"/>
-              <a:t>Sqft</a:t>
-            </a:r>
-            <a:r>
-              <a:rPr lang="en-US" dirty="0"/>
-              <a:t> Living)</a:t>
-            </a:r>
-          </a:p>
-          <a:p>
-            <a:pPr lvl="4"/>
-            <a:r>
-              <a:rPr lang="en-US" dirty="0"/>
-              <a:t>Avoid multicollinearity between </a:t>
-            </a:r>
-            <a:r>
-              <a:rPr lang="en-US" dirty="0" err="1"/>
-              <a:t>Sqft_Living</a:t>
-            </a:r>
-            <a:r>
-              <a:rPr lang="en-US" dirty="0"/>
-              <a:t> and </a:t>
-            </a:r>
-            <a:r>
-              <a:rPr lang="en-US" dirty="0" err="1"/>
-              <a:t>Sqft</a:t>
-            </a:r>
-            <a:r>
-              <a:rPr lang="en-US" dirty="0"/>
-              <a:t> Above (0.9)</a:t>
-            </a:r>
-          </a:p>
-          <a:p>
-            <a:pPr>
-              <a:buFont typeface="+mj-lt"/>
-              <a:buAutoNum type="arabicPeriod"/>
-            </a:pPr>
-            <a:r>
-              <a:rPr lang="en-US" dirty="0" err="1"/>
-              <a:t>Dummifying</a:t>
-            </a:r>
-            <a:r>
-              <a:rPr lang="en-US" dirty="0"/>
-              <a:t> categorical variables. The </a:t>
-            </a:r>
-            <a:r>
-              <a:rPr lang="en-US" dirty="0" err="1"/>
-              <a:t>zipcode</a:t>
-            </a:r>
-            <a:r>
-              <a:rPr lang="en-US" dirty="0"/>
-              <a:t>, grade, view, condition.</a:t>
-            </a:r>
-          </a:p>
-          <a:p>
-            <a:pPr>
-              <a:buFont typeface="+mj-lt"/>
-              <a:buAutoNum type="arabicPeriod"/>
-            </a:pPr>
             <a:endParaRPr lang="en-US" dirty="0"/>
           </a:p>
           <a:p>
@@ -5548,10 +5480,10 @@
       </p:grpSpPr>
       <p:sp>
         <p:nvSpPr>
-          <p:cNvPr id="2" name="Title 1">
-            <a:extLst>
-              <a:ext uri="{FF2B5EF4-FFF2-40B4-BE49-F238E27FC236}">
-                <a16:creationId xmlns:a16="http://schemas.microsoft.com/office/drawing/2014/main" id="{028A225F-82B7-4B4F-8CF1-CC5B27C6DF2C}"/>
+          <p:cNvPr id="3" name="Content Placeholder 2">
+            <a:extLst>
+              <a:ext uri="{FF2B5EF4-FFF2-40B4-BE49-F238E27FC236}">
+                <a16:creationId xmlns:a16="http://schemas.microsoft.com/office/drawing/2014/main" id="{49B8D3D5-0E61-48BA-B78A-F8A197772FA0}"/>
               </a:ext>
             </a:extLst>
           </p:cNvPr>
@@ -5559,12 +5491,320 @@
             <a:spLocks noGrp="1"/>
           </p:cNvSpPr>
           <p:nvPr>
-            <p:ph type="title"/>
+            <p:ph idx="1"/>
           </p:nvPr>
         </p:nvSpPr>
         <p:spPr>
           <a:xfrm>
-            <a:off x="448056" y="388800"/>
+            <a:off x="448056" y="368037"/>
+            <a:ext cx="11293200" cy="1620561"/>
+          </a:xfrm>
+        </p:spPr>
+        <p:txBody>
+          <a:bodyPr/>
+          <a:lstStyle/>
+          <a:p>
+            <a:pPr>
+              <a:buFont typeface="+mj-lt"/>
+              <a:buAutoNum type="arabicPeriod" startAt="5"/>
+            </a:pPr>
+            <a:r>
+              <a:rPr lang="en-US" dirty="0"/>
+              <a:t>Correlation analysis:</a:t>
+            </a:r>
+          </a:p>
+          <a:p>
+            <a:pPr lvl="4"/>
+            <a:r>
+              <a:rPr lang="en-US" dirty="0"/>
+              <a:t>Most relevant variables (</a:t>
+            </a:r>
+            <a:r>
+              <a:rPr lang="en-US" dirty="0" err="1"/>
+              <a:t>Sqft</a:t>
+            </a:r>
+            <a:r>
+              <a:rPr lang="en-US" dirty="0"/>
+              <a:t> Living)</a:t>
+            </a:r>
+          </a:p>
+          <a:p>
+            <a:pPr lvl="4"/>
+            <a:r>
+              <a:rPr lang="en-US" dirty="0"/>
+              <a:t>Avoid multicollinearity between </a:t>
+            </a:r>
+            <a:r>
+              <a:rPr lang="en-US" dirty="0" err="1"/>
+              <a:t>Sqft_Living</a:t>
+            </a:r>
+            <a:r>
+              <a:rPr lang="en-US" dirty="0"/>
+              <a:t> and </a:t>
+            </a:r>
+            <a:r>
+              <a:rPr lang="en-US" dirty="0" err="1"/>
+              <a:t>Sqft</a:t>
+            </a:r>
+            <a:r>
+              <a:rPr lang="en-US" dirty="0"/>
+              <a:t> Above (0.88)</a:t>
+            </a:r>
+          </a:p>
+          <a:p>
+            <a:pPr lvl="4"/>
+            <a:endParaRPr lang="en-US" dirty="0"/>
+          </a:p>
+          <a:p>
+            <a:pPr lvl="4"/>
+            <a:endParaRPr lang="en-US" dirty="0"/>
+          </a:p>
+          <a:p>
+            <a:pPr marL="1944" indent="0">
+              <a:buNone/>
+            </a:pPr>
+            <a:endParaRPr lang="es-ES" dirty="0"/>
+          </a:p>
+        </p:txBody>
+      </p:sp>
+      <p:pic>
+        <p:nvPicPr>
+          <p:cNvPr id="5" name="Picture 4">
+            <a:extLst>
+              <a:ext uri="{FF2B5EF4-FFF2-40B4-BE49-F238E27FC236}">
+                <a16:creationId xmlns:a16="http://schemas.microsoft.com/office/drawing/2014/main" id="{02979618-5D1C-4DF1-A32F-00806D3DA022}"/>
+              </a:ext>
+            </a:extLst>
+          </p:cNvPr>
+          <p:cNvPicPr>
+            <a:picLocks noChangeAspect="1"/>
+          </p:cNvPicPr>
+          <p:nvPr/>
+        </p:nvPicPr>
+        <p:blipFill>
+          <a:blip r:embed="rId2">
+            <a:extLst>
+              <a:ext uri="{28A0092B-C50C-407E-A947-70E740481C1C}">
+                <a14:useLocalDpi xmlns:a14="http://schemas.microsoft.com/office/drawing/2010/main" val="0"/>
+              </a:ext>
+            </a:extLst>
+          </a:blip>
+          <a:stretch>
+            <a:fillRect/>
+          </a:stretch>
+        </p:blipFill>
+        <p:spPr>
+          <a:xfrm>
+            <a:off x="3334200" y="1988598"/>
+            <a:ext cx="5520912" cy="4311174"/>
+          </a:xfrm>
+          <a:prstGeom prst="rect">
+            <a:avLst/>
+          </a:prstGeom>
+        </p:spPr>
+      </p:pic>
+      <p:sp>
+        <p:nvSpPr>
+          <p:cNvPr id="6" name="Oval 5">
+            <a:extLst>
+              <a:ext uri="{FF2B5EF4-FFF2-40B4-BE49-F238E27FC236}">
+                <a16:creationId xmlns:a16="http://schemas.microsoft.com/office/drawing/2014/main" id="{3A038891-0428-4A2B-AD57-20D53B9462FC}"/>
+              </a:ext>
+            </a:extLst>
+          </p:cNvPr>
+          <p:cNvSpPr/>
+          <p:nvPr/>
+        </p:nvSpPr>
+        <p:spPr>
+          <a:xfrm>
+            <a:off x="4749553" y="3573647"/>
+            <a:ext cx="328474" cy="284085"/>
+          </a:xfrm>
+          <a:prstGeom prst="ellipse">
+            <a:avLst/>
+          </a:prstGeom>
+          <a:noFill/>
+          <a:ln w="38100">
+            <a:solidFill>
+              <a:srgbClr val="FFFF00"/>
+            </a:solidFill>
+          </a:ln>
+        </p:spPr>
+        <p:style>
+          <a:lnRef idx="2">
+            <a:schemeClr val="accent1">
+              <a:shade val="50000"/>
+            </a:schemeClr>
+          </a:lnRef>
+          <a:fillRef idx="1">
+            <a:schemeClr val="accent1"/>
+          </a:fillRef>
+          <a:effectRef idx="0">
+            <a:schemeClr val="accent1"/>
+          </a:effectRef>
+          <a:fontRef idx="minor">
+            <a:schemeClr val="lt1"/>
+          </a:fontRef>
+        </p:style>
+        <p:txBody>
+          <a:bodyPr rtlCol="0" anchor="ctr"/>
+          <a:lstStyle/>
+          <a:p>
+            <a:pPr algn="ctr"/>
+            <a:endParaRPr lang="es-ES"/>
+          </a:p>
+        </p:txBody>
+      </p:sp>
+      <p:sp>
+        <p:nvSpPr>
+          <p:cNvPr id="9" name="Oval 8">
+            <a:extLst>
+              <a:ext uri="{FF2B5EF4-FFF2-40B4-BE49-F238E27FC236}">
+                <a16:creationId xmlns:a16="http://schemas.microsoft.com/office/drawing/2014/main" id="{39FCEBAA-8107-4541-A2B0-2A981E0D1AE0}"/>
+              </a:ext>
+            </a:extLst>
+          </p:cNvPr>
+          <p:cNvSpPr/>
+          <p:nvPr/>
+        </p:nvSpPr>
+        <p:spPr>
+          <a:xfrm>
+            <a:off x="4749553" y="5396298"/>
+            <a:ext cx="328474" cy="284085"/>
+          </a:xfrm>
+          <a:prstGeom prst="ellipse">
+            <a:avLst/>
+          </a:prstGeom>
+          <a:noFill/>
+          <a:ln w="38100">
+            <a:solidFill>
+              <a:srgbClr val="FFFF00"/>
+            </a:solidFill>
+          </a:ln>
+        </p:spPr>
+        <p:style>
+          <a:lnRef idx="2">
+            <a:schemeClr val="accent1">
+              <a:shade val="50000"/>
+            </a:schemeClr>
+          </a:lnRef>
+          <a:fillRef idx="1">
+            <a:schemeClr val="accent1"/>
+          </a:fillRef>
+          <a:effectRef idx="0">
+            <a:schemeClr val="accent1"/>
+          </a:effectRef>
+          <a:fontRef idx="minor">
+            <a:schemeClr val="lt1"/>
+          </a:fontRef>
+        </p:style>
+        <p:txBody>
+          <a:bodyPr rtlCol="0" anchor="ctr"/>
+          <a:lstStyle/>
+          <a:p>
+            <a:pPr algn="ctr"/>
+            <a:endParaRPr lang="es-ES"/>
+          </a:p>
+        </p:txBody>
+      </p:sp>
+      <p:sp>
+        <p:nvSpPr>
+          <p:cNvPr id="10" name="Arrow: Right 9">
+            <a:extLst>
+              <a:ext uri="{FF2B5EF4-FFF2-40B4-BE49-F238E27FC236}">
+                <a16:creationId xmlns:a16="http://schemas.microsoft.com/office/drawing/2014/main" id="{DD2CB56A-BFA9-48A4-90A8-7F64A94BF5A7}"/>
+              </a:ext>
+            </a:extLst>
+          </p:cNvPr>
+          <p:cNvSpPr/>
+          <p:nvPr/>
+        </p:nvSpPr>
+        <p:spPr>
+          <a:xfrm>
+            <a:off x="3428866" y="5403850"/>
+            <a:ext cx="376666" cy="284085"/>
+          </a:xfrm>
+          <a:prstGeom prst="rightArrow">
+            <a:avLst/>
+          </a:prstGeom>
+          <a:solidFill>
+            <a:srgbClr val="242C41"/>
+          </a:solidFill>
+        </p:spPr>
+        <p:style>
+          <a:lnRef idx="2">
+            <a:schemeClr val="accent1">
+              <a:shade val="50000"/>
+            </a:schemeClr>
+          </a:lnRef>
+          <a:fillRef idx="1">
+            <a:schemeClr val="accent1"/>
+          </a:fillRef>
+          <a:effectRef idx="0">
+            <a:schemeClr val="accent1"/>
+          </a:effectRef>
+          <a:fontRef idx="minor">
+            <a:schemeClr val="lt1"/>
+          </a:fontRef>
+        </p:style>
+        <p:txBody>
+          <a:bodyPr rtlCol="0" anchor="ctr"/>
+          <a:lstStyle/>
+          <a:p>
+            <a:pPr algn="ctr"/>
+            <a:endParaRPr lang="es-ES"/>
+          </a:p>
+        </p:txBody>
+      </p:sp>
+    </p:spTree>
+    <p:extLst>
+      <p:ext uri="{BB962C8B-B14F-4D97-AF65-F5344CB8AC3E}">
+        <p14:creationId xmlns:p14="http://schemas.microsoft.com/office/powerpoint/2010/main" val="1859745214"/>
+      </p:ext>
+    </p:extLst>
+  </p:cSld>
+  <p:clrMapOvr>
+    <a:masterClrMapping/>
+  </p:clrMapOvr>
+</p:sld>
+</file>
+
+<file path=ppt/slides/slide4.xml><?xml version="1.0" encoding="utf-8"?>
+<p:sld xmlns:a="http://schemas.openxmlformats.org/drawingml/2006/main" xmlns:r="http://schemas.openxmlformats.org/officeDocument/2006/relationships" xmlns:p="http://schemas.openxmlformats.org/presentationml/2006/main">
+  <p:cSld>
+    <p:spTree>
+      <p:nvGrpSpPr>
+        <p:cNvPr id="1" name=""/>
+        <p:cNvGrpSpPr/>
+        <p:nvPr/>
+      </p:nvGrpSpPr>
+      <p:grpSpPr>
+        <a:xfrm>
+          <a:off x="0" y="0"/>
+          <a:ext cx="0" cy="0"/>
+          <a:chOff x="0" y="0"/>
+          <a:chExt cx="0" cy="0"/>
+        </a:xfrm>
+      </p:grpSpPr>
+      <p:sp>
+        <p:nvSpPr>
+          <p:cNvPr id="2" name="Title 1">
+            <a:extLst>
+              <a:ext uri="{FF2B5EF4-FFF2-40B4-BE49-F238E27FC236}">
+                <a16:creationId xmlns:a16="http://schemas.microsoft.com/office/drawing/2014/main" id="{028A225F-82B7-4B4F-8CF1-CC5B27C6DF2C}"/>
+              </a:ext>
+            </a:extLst>
+          </p:cNvPr>
+          <p:cNvSpPr>
+            <a:spLocks noGrp="1"/>
+          </p:cNvSpPr>
+          <p:nvPr>
+            <p:ph type="title"/>
+          </p:nvPr>
+        </p:nvSpPr>
+        <p:spPr>
+          <a:xfrm>
+            <a:off x="448056" y="1542903"/>
             <a:ext cx="11301984" cy="1141200"/>
           </a:xfrm>
         </p:spPr>
@@ -5597,7 +5837,7 @@
         </p:nvSpPr>
         <p:spPr>
           <a:xfrm>
-            <a:off x="450744" y="1233742"/>
+            <a:off x="450744" y="2041614"/>
             <a:ext cx="11293200" cy="3783013"/>
           </a:xfrm>
         </p:spPr>
@@ -5611,13 +5851,22 @@
             </a:pPr>
             <a:r>
               <a:rPr lang="en-US" dirty="0"/>
-              <a:t>Computational cost and time to run the model (in huge databases it would be unfeasible)</a:t>
+              <a:t>Time and computational cost (in huge databases it would </a:t>
+            </a:r>
+          </a:p>
+          <a:p>
+            <a:pPr marL="1944" indent="0" algn="l">
+              <a:buNone/>
+            </a:pPr>
+            <a:r>
+              <a:rPr lang="en-US" dirty="0"/>
+              <a:t>be unfeasible)</a:t>
             </a:r>
           </a:p>
           <a:p>
             <a:pPr algn="l">
               <a:buFont typeface="+mj-lt"/>
-              <a:buAutoNum type="arabicPeriod"/>
+              <a:buAutoNum type="arabicPeriod" startAt="2"/>
             </a:pPr>
             <a:r>
               <a:rPr lang="en-US" dirty="0"/>
@@ -5713,7 +5962,7 @@
         </p:nvSpPr>
         <p:spPr>
           <a:xfrm>
-            <a:off x="448056" y="3410705"/>
+            <a:off x="448056" y="4724612"/>
             <a:ext cx="11301984" cy="1141200"/>
           </a:xfrm>
           <a:prstGeom prst="rect">
@@ -5773,7 +6022,7 @@
         </p:nvSpPr>
         <p:spPr>
           <a:xfrm>
-            <a:off x="441960" y="4611487"/>
+            <a:off x="441960" y="5765590"/>
             <a:ext cx="11293200" cy="2027595"/>
           </a:xfrm>
           <a:prstGeom prst="rect">
@@ -6005,105 +6254,66 @@
           </a:p>
         </p:txBody>
       </p:sp>
-    </p:spTree>
-    <p:extLst>
-      <p:ext uri="{BB962C8B-B14F-4D97-AF65-F5344CB8AC3E}">
-        <p14:creationId xmlns:p14="http://schemas.microsoft.com/office/powerpoint/2010/main" val="3446273661"/>
-      </p:ext>
-    </p:extLst>
-  </p:cSld>
-  <p:clrMapOvr>
-    <a:masterClrMapping/>
-  </p:clrMapOvr>
-</p:sld>
-</file>
-
-<file path=ppt/slides/slide4.xml><?xml version="1.0" encoding="utf-8"?>
-<p:sld xmlns:a="http://schemas.openxmlformats.org/drawingml/2006/main" xmlns:r="http://schemas.openxmlformats.org/officeDocument/2006/relationships" xmlns:p="http://schemas.openxmlformats.org/presentationml/2006/main">
-  <p:cSld>
-    <p:spTree>
-      <p:nvGrpSpPr>
-        <p:cNvPr id="1" name=""/>
-        <p:cNvGrpSpPr/>
-        <p:nvPr/>
-      </p:nvGrpSpPr>
-      <p:grpSpPr>
-        <a:xfrm>
-          <a:off x="0" y="0"/>
-          <a:ext cx="0" cy="0"/>
-          <a:chOff x="0" y="0"/>
-          <a:chExt cx="0" cy="0"/>
-        </a:xfrm>
-      </p:grpSpPr>
-      <p:sp>
-        <p:nvSpPr>
-          <p:cNvPr id="2" name="Title 1">
-            <a:extLst>
-              <a:ext uri="{FF2B5EF4-FFF2-40B4-BE49-F238E27FC236}">
-                <a16:creationId xmlns:a16="http://schemas.microsoft.com/office/drawing/2014/main" id="{1FC431CB-6266-42D9-8E3B-8EB5C9F02E3D}"/>
-              </a:ext>
-            </a:extLst>
-          </p:cNvPr>
-          <p:cNvSpPr>
-            <a:spLocks noGrp="1"/>
-          </p:cNvSpPr>
-          <p:nvPr>
-            <p:ph type="title"/>
-          </p:nvPr>
-        </p:nvSpPr>
-        <p:spPr/>
-        <p:txBody>
-          <a:bodyPr/>
-          <a:lstStyle/>
-          <a:p>
-            <a:r>
-              <a:rPr lang="en-US" dirty="0"/>
-              <a:t>Feature selection </a:t>
-            </a:r>
-          </a:p>
-        </p:txBody>
-      </p:sp>
-      <p:pic>
-        <p:nvPicPr>
-          <p:cNvPr id="5" name="Content Placeholder 4" descr="Diagram&#10;&#10;Description automatically generated">
-            <a:extLst>
-              <a:ext uri="{FF2B5EF4-FFF2-40B4-BE49-F238E27FC236}">
-                <a16:creationId xmlns:a16="http://schemas.microsoft.com/office/drawing/2014/main" id="{3939A66A-6CAD-4BCE-A570-3BC8380AAA9A}"/>
-              </a:ext>
-            </a:extLst>
-          </p:cNvPr>
-          <p:cNvPicPr>
-            <a:picLocks noGrp="1" noChangeAspect="1"/>
-          </p:cNvPicPr>
-          <p:nvPr>
-            <p:ph idx="1"/>
-          </p:nvPr>
-        </p:nvPicPr>
-        <p:blipFill>
-          <a:blip r:embed="rId2">
-            <a:extLst>
-              <a:ext uri="{28A0092B-C50C-407E-A947-70E740481C1C}">
-                <a14:useLocalDpi xmlns:a14="http://schemas.microsoft.com/office/drawing/2010/main" val="0"/>
-              </a:ext>
-            </a:extLst>
-          </a:blip>
-          <a:stretch>
-            <a:fillRect/>
-          </a:stretch>
-        </p:blipFill>
+      <p:sp>
+        <p:nvSpPr>
+          <p:cNvPr id="7" name="Title 1">
+            <a:extLst>
+              <a:ext uri="{FF2B5EF4-FFF2-40B4-BE49-F238E27FC236}">
+                <a16:creationId xmlns:a16="http://schemas.microsoft.com/office/drawing/2014/main" id="{3E017195-1BEB-48D5-A8FE-567CEB5F8AA1}"/>
+              </a:ext>
+            </a:extLst>
+          </p:cNvPr>
+          <p:cNvSpPr txBox="1">
+            <a:spLocks/>
+          </p:cNvSpPr>
+          <p:nvPr/>
+        </p:nvSpPr>
         <p:spPr>
           <a:xfrm>
-            <a:off x="7248672" y="3016540"/>
-            <a:ext cx="4140893" cy="2362815"/>
+            <a:off x="450744" y="373610"/>
+            <a:ext cx="11301984" cy="1141200"/>
           </a:xfrm>
+          <a:prstGeom prst="rect">
+            <a:avLst/>
+          </a:prstGeom>
         </p:spPr>
-      </p:pic>
-      <p:sp>
-        <p:nvSpPr>
-          <p:cNvPr id="6" name="Content Placeholder 2">
-            <a:extLst>
-              <a:ext uri="{FF2B5EF4-FFF2-40B4-BE49-F238E27FC236}">
-                <a16:creationId xmlns:a16="http://schemas.microsoft.com/office/drawing/2014/main" id="{D1C98D35-54AB-4DE9-9914-1A496C8AA19B}"/>
+        <p:txBody>
+          <a:bodyPr vert="horz" wrap="square" lIns="0" tIns="0" rIns="0" bIns="0" rtlCol="0" anchor="t">
+            <a:normAutofit/>
+          </a:bodyPr>
+          <a:lstStyle>
+            <a:lvl1pPr algn="l" defTabSz="914400" rtl="0" eaLnBrk="1" latinLnBrk="0" hangingPunct="1">
+              <a:lnSpc>
+                <a:spcPct val="90000"/>
+              </a:lnSpc>
+              <a:spcBef>
+                <a:spcPct val="0"/>
+              </a:spcBef>
+              <a:buNone/>
+              <a:defRPr sz="3200" i="1" kern="1200">
+                <a:solidFill>
+                  <a:schemeClr val="tx2"/>
+                </a:solidFill>
+                <a:latin typeface="+mj-lt"/>
+                <a:ea typeface="+mj-ea"/>
+                <a:cs typeface="+mj-cs"/>
+              </a:defRPr>
+            </a:lvl1pPr>
+          </a:lstStyle>
+          <a:p>
+            <a:r>
+              <a:rPr lang="en-US" dirty="0"/>
+              <a:t>Performance of our model</a:t>
+            </a:r>
+          </a:p>
+        </p:txBody>
+      </p:sp>
+      <p:sp>
+        <p:nvSpPr>
+          <p:cNvPr id="8" name="Content Placeholder 2">
+            <a:extLst>
+              <a:ext uri="{FF2B5EF4-FFF2-40B4-BE49-F238E27FC236}">
+                <a16:creationId xmlns:a16="http://schemas.microsoft.com/office/drawing/2014/main" id="{AA938563-838A-4906-BF76-A12B22B5544E}"/>
               </a:ext>
             </a:extLst>
           </p:cNvPr>
@@ -6114,8 +6324,8 @@
         </p:nvSpPr>
         <p:spPr>
           <a:xfrm>
-            <a:off x="448056" y="1115768"/>
-            <a:ext cx="11293200" cy="4734000"/>
+            <a:off x="459888" y="984429"/>
+            <a:ext cx="11293200" cy="3783013"/>
           </a:xfrm>
           <a:prstGeom prst="rect">
             <a:avLst/>
@@ -6300,92 +6510,62 @@
             </a:lvl9pPr>
           </a:lstStyle>
           <a:p>
-            <a:pPr>
-              <a:buFont typeface="+mj-lt"/>
-              <a:buAutoNum type="arabicPeriod"/>
-            </a:pPr>
-            <a:r>
-              <a:rPr lang="en-US" dirty="0"/>
-              <a:t>Starting point: 95 variables</a:t>
-            </a:r>
-          </a:p>
-          <a:p>
-            <a:pPr>
-              <a:buFont typeface="+mj-lt"/>
-              <a:buAutoNum type="arabicPeriod"/>
-            </a:pPr>
-            <a:r>
-              <a:rPr lang="en-US" dirty="0"/>
-              <a:t>After shrinking the number of variables, the last 50 variables just improve  a 0.1 R2 score, so we could drop those variables.</a:t>
-            </a:r>
-          </a:p>
-          <a:p>
-            <a:pPr marL="1944" indent="0">
-              <a:buNone/>
-            </a:pPr>
+            <a:r>
+              <a:rPr lang="es-ES" dirty="0" err="1"/>
+              <a:t>Gradient</a:t>
+            </a:r>
+            <a:r>
+              <a:rPr lang="es-ES" dirty="0"/>
+              <a:t> </a:t>
+            </a:r>
+            <a:r>
+              <a:rPr lang="es-ES" dirty="0" err="1"/>
+              <a:t>Boosting</a:t>
+            </a:r>
+            <a:r>
+              <a:rPr lang="es-ES" dirty="0"/>
+              <a:t> </a:t>
+            </a:r>
+            <a:r>
+              <a:rPr lang="es-ES" dirty="0" err="1"/>
+              <a:t>Regressor</a:t>
+            </a:r>
+            <a:r>
+              <a:rPr lang="es-ES" dirty="0"/>
+              <a:t> </a:t>
+            </a:r>
+            <a:r>
+              <a:rPr lang="es-ES" dirty="0" err="1"/>
+              <a:t>best</a:t>
+            </a:r>
+            <a:r>
+              <a:rPr lang="es-ES" dirty="0"/>
+              <a:t> </a:t>
+            </a:r>
+            <a:r>
+              <a:rPr lang="es-ES" dirty="0" err="1"/>
+              <a:t>performing</a:t>
+            </a:r>
+            <a:r>
+              <a:rPr lang="es-ES" dirty="0"/>
+              <a:t> </a:t>
+            </a:r>
+            <a:r>
+              <a:rPr lang="es-ES" dirty="0" err="1"/>
+              <a:t>model</a:t>
+            </a:r>
+            <a:r>
+              <a:rPr lang="es-ES" dirty="0"/>
+              <a:t> (R2 score = 0.85)</a:t>
+            </a:r>
             <a:endParaRPr lang="en-US" dirty="0"/>
           </a:p>
-          <a:p>
-            <a:pPr marL="1944" indent="0">
-              <a:buNone/>
-            </a:pPr>
-            <a:endParaRPr lang="en-US" dirty="0"/>
-          </a:p>
-          <a:p>
-            <a:pPr>
-              <a:buFont typeface="+mj-lt"/>
-              <a:buAutoNum type="arabicPeriod"/>
-            </a:pPr>
-            <a:endParaRPr lang="en-US" dirty="0"/>
-          </a:p>
-          <a:p>
-            <a:pPr>
-              <a:buFont typeface="+mj-lt"/>
-              <a:buAutoNum type="arabicPeriod"/>
-            </a:pPr>
-            <a:endParaRPr lang="en-US" dirty="0"/>
-          </a:p>
-        </p:txBody>
-      </p:sp>
-      <p:pic>
-        <p:nvPicPr>
-          <p:cNvPr id="8" name="Picture 7" descr="Graphical user interface, text&#10;&#10;Description automatically generated">
-            <a:extLst>
-              <a:ext uri="{FF2B5EF4-FFF2-40B4-BE49-F238E27FC236}">
-                <a16:creationId xmlns:a16="http://schemas.microsoft.com/office/drawing/2014/main" id="{280339C9-43FC-400A-98FB-BA0496A272DD}"/>
-              </a:ext>
-            </a:extLst>
-          </p:cNvPr>
-          <p:cNvPicPr>
-            <a:picLocks noChangeAspect="1"/>
-          </p:cNvPicPr>
-          <p:nvPr/>
-        </p:nvPicPr>
-        <p:blipFill rotWithShape="1">
-          <a:blip r:embed="rId3">
-            <a:extLst>
-              <a:ext uri="{28A0092B-C50C-407E-A947-70E740481C1C}">
-                <a14:useLocalDpi xmlns:a14="http://schemas.microsoft.com/office/drawing/2010/main" val="0"/>
-              </a:ext>
-            </a:extLst>
-          </a:blip>
-          <a:srcRect r="44450" b="1561"/>
-          <a:stretch/>
-        </p:blipFill>
-        <p:spPr>
-          <a:xfrm>
-            <a:off x="802435" y="3016541"/>
-            <a:ext cx="4988765" cy="2362815"/>
-          </a:xfrm>
-          <a:prstGeom prst="rect">
-            <a:avLst/>
-          </a:prstGeom>
-        </p:spPr>
-      </p:pic>
+        </p:txBody>
+      </p:sp>
     </p:spTree>
     <p:extLst>
       <p:ext uri="{BB962C8B-B14F-4D97-AF65-F5344CB8AC3E}">
-        <p14:creationId xmlns:p14="http://schemas.microsoft.com/office/powerpoint/2010/main" val="2971129994"/>
+        <p14:creationId xmlns:p14="http://schemas.microsoft.com/office/powerpoint/2010/main" val="3446273661"/>
       </p:ext>
     </p:extLst>
   </p:cSld>
@@ -6417,7 +6597,7 @@
           <p:cNvPr id="2" name="Title 1">
             <a:extLst>
               <a:ext uri="{FF2B5EF4-FFF2-40B4-BE49-F238E27FC236}">
-                <a16:creationId xmlns:a16="http://schemas.microsoft.com/office/drawing/2014/main" id="{6600127F-A503-4326-B6A2-B6F2CB2F0852}"/>
+                <a16:creationId xmlns:a16="http://schemas.microsoft.com/office/drawing/2014/main" id="{1FC431CB-6266-42D9-8E3B-8EB5C9F02E3D}"/>
               </a:ext>
             </a:extLst>
           </p:cNvPr>
@@ -6435,22 +6615,17 @@
           <a:p>
             <a:r>
               <a:rPr lang="en-US" dirty="0"/>
-              <a:t>Grouping the </a:t>
-            </a:r>
-            <a:r>
-              <a:rPr lang="en-US" dirty="0" err="1"/>
-              <a:t>zipcodes</a:t>
-            </a:r>
-            <a:endParaRPr lang="en-US" dirty="0"/>
+              <a:t>Feature selection </a:t>
+            </a:r>
           </a:p>
         </p:txBody>
       </p:sp>
       <p:pic>
         <p:nvPicPr>
-          <p:cNvPr id="5" name="Content Placeholder 4" descr="Map&#10;&#10;Description automatically generated">
-            <a:extLst>
-              <a:ext uri="{FF2B5EF4-FFF2-40B4-BE49-F238E27FC236}">
-                <a16:creationId xmlns:a16="http://schemas.microsoft.com/office/drawing/2014/main" id="{56826971-CFB3-4E90-86E0-01AD80625B08}"/>
+          <p:cNvPr id="5" name="Content Placeholder 4" descr="Diagram&#10;&#10;Description automatically generated">
+            <a:extLst>
+              <a:ext uri="{FF2B5EF4-FFF2-40B4-BE49-F238E27FC236}">
+                <a16:creationId xmlns:a16="http://schemas.microsoft.com/office/drawing/2014/main" id="{3939A66A-6CAD-4BCE-A570-3BC8380AAA9A}"/>
               </a:ext>
             </a:extLst>
           </p:cNvPr>
@@ -6475,8 +6650,8 @@
         </p:blipFill>
         <p:spPr>
           <a:xfrm>
-            <a:off x="3665828" y="2774677"/>
-            <a:ext cx="4680675" cy="3783012"/>
+            <a:off x="7248672" y="3016540"/>
+            <a:ext cx="4140893" cy="2362815"/>
           </a:xfrm>
         </p:spPr>
       </p:pic>
@@ -6485,7 +6660,7 @@
           <p:cNvPr id="6" name="Content Placeholder 2">
             <a:extLst>
               <a:ext uri="{FF2B5EF4-FFF2-40B4-BE49-F238E27FC236}">
-                <a16:creationId xmlns:a16="http://schemas.microsoft.com/office/drawing/2014/main" id="{6B55764C-8655-4929-B0E2-037BE372513E}"/>
+                <a16:creationId xmlns:a16="http://schemas.microsoft.com/office/drawing/2014/main" id="{D1C98D35-54AB-4DE9-9914-1A496C8AA19B}"/>
               </a:ext>
             </a:extLst>
           </p:cNvPr>
@@ -6496,7 +6671,7 @@
         </p:nvSpPr>
         <p:spPr>
           <a:xfrm>
-            <a:off x="359566" y="1322245"/>
+            <a:off x="448056" y="1115768"/>
             <a:ext cx="11293200" cy="4734000"/>
           </a:xfrm>
           <a:prstGeom prst="rect">
@@ -6688,15 +6863,7 @@
             </a:pPr>
             <a:r>
               <a:rPr lang="en-US" dirty="0"/>
-              <a:t>We divided the </a:t>
-            </a:r>
-            <a:r>
-              <a:rPr lang="en-US" dirty="0" err="1"/>
-              <a:t>zipcodes</a:t>
-            </a:r>
-            <a:r>
-              <a:rPr lang="en-US" dirty="0"/>
-              <a:t> in 5 groups depending how far away were they from the most expensive area (best place to live). </a:t>
+              <a:t>Starting point: 95 variables</a:t>
             </a:r>
           </a:p>
           <a:p>
@@ -6706,16 +6873,20 @@
             </a:pPr>
             <a:r>
               <a:rPr lang="en-US" dirty="0"/>
-              <a:t>Since our election of </a:t>
-            </a:r>
-            <a:r>
-              <a:rPr lang="en-US" dirty="0" err="1"/>
-              <a:t>zipcodes</a:t>
-            </a:r>
-            <a:r>
-              <a:rPr lang="en-US" dirty="0"/>
-              <a:t> group was arbitrary, we didn't manage to find a better performing model.</a:t>
-            </a:r>
+              <a:t>After shrinking the number of variables, the last 50 variables just improve  a 0.01 R2 score, so we could drop those variables.</a:t>
+            </a:r>
+          </a:p>
+          <a:p>
+            <a:pPr marL="1944" indent="0">
+              <a:buNone/>
+            </a:pPr>
+            <a:endParaRPr lang="en-US" dirty="0"/>
+          </a:p>
+          <a:p>
+            <a:pPr marL="1944" indent="0">
+              <a:buNone/>
+            </a:pPr>
+            <a:endParaRPr lang="en-US" dirty="0"/>
           </a:p>
           <a:p>
             <a:pPr>
@@ -6724,12 +6895,508 @@
             </a:pPr>
             <a:endParaRPr lang="en-US" dirty="0"/>
           </a:p>
+          <a:p>
+            <a:pPr>
+              <a:buFont typeface="+mj-lt"/>
+              <a:buAutoNum type="arabicPeriod"/>
+            </a:pPr>
+            <a:endParaRPr lang="en-US" dirty="0"/>
+          </a:p>
+        </p:txBody>
+      </p:sp>
+      <p:pic>
+        <p:nvPicPr>
+          <p:cNvPr id="8" name="Picture 7" descr="Graphical user interface, text&#10;&#10;Description automatically generated">
+            <a:extLst>
+              <a:ext uri="{FF2B5EF4-FFF2-40B4-BE49-F238E27FC236}">
+                <a16:creationId xmlns:a16="http://schemas.microsoft.com/office/drawing/2014/main" id="{280339C9-43FC-400A-98FB-BA0496A272DD}"/>
+              </a:ext>
+            </a:extLst>
+          </p:cNvPr>
+          <p:cNvPicPr>
+            <a:picLocks noChangeAspect="1"/>
+          </p:cNvPicPr>
+          <p:nvPr/>
+        </p:nvPicPr>
+        <p:blipFill rotWithShape="1">
+          <a:blip r:embed="rId3">
+            <a:extLst>
+              <a:ext uri="{28A0092B-C50C-407E-A947-70E740481C1C}">
+                <a14:useLocalDpi xmlns:a14="http://schemas.microsoft.com/office/drawing/2010/main" val="0"/>
+              </a:ext>
+            </a:extLst>
+          </a:blip>
+          <a:srcRect r="44450" b="1561"/>
+          <a:stretch/>
+        </p:blipFill>
+        <p:spPr>
+          <a:xfrm>
+            <a:off x="802435" y="3016541"/>
+            <a:ext cx="4988765" cy="2362815"/>
+          </a:xfrm>
+          <a:prstGeom prst="rect">
+            <a:avLst/>
+          </a:prstGeom>
+        </p:spPr>
+      </p:pic>
+    </p:spTree>
+    <p:extLst>
+      <p:ext uri="{BB962C8B-B14F-4D97-AF65-F5344CB8AC3E}">
+        <p14:creationId xmlns:p14="http://schemas.microsoft.com/office/powerpoint/2010/main" val="2971129994"/>
+      </p:ext>
+    </p:extLst>
+  </p:cSld>
+  <p:clrMapOvr>
+    <a:masterClrMapping/>
+  </p:clrMapOvr>
+</p:sld>
+</file>
+
+<file path=ppt/slides/slide6.xml><?xml version="1.0" encoding="utf-8"?>
+<p:sld xmlns:a="http://schemas.openxmlformats.org/drawingml/2006/main" xmlns:r="http://schemas.openxmlformats.org/officeDocument/2006/relationships" xmlns:p="http://schemas.openxmlformats.org/presentationml/2006/main">
+  <p:cSld>
+    <p:spTree>
+      <p:nvGrpSpPr>
+        <p:cNvPr id="1" name=""/>
+        <p:cNvGrpSpPr/>
+        <p:nvPr/>
+      </p:nvGrpSpPr>
+      <p:grpSpPr>
+        <a:xfrm>
+          <a:off x="0" y="0"/>
+          <a:ext cx="0" cy="0"/>
+          <a:chOff x="0" y="0"/>
+          <a:chExt cx="0" cy="0"/>
+        </a:xfrm>
+      </p:grpSpPr>
+      <p:sp>
+        <p:nvSpPr>
+          <p:cNvPr id="2" name="Title 1">
+            <a:extLst>
+              <a:ext uri="{FF2B5EF4-FFF2-40B4-BE49-F238E27FC236}">
+                <a16:creationId xmlns:a16="http://schemas.microsoft.com/office/drawing/2014/main" id="{6600127F-A503-4326-B6A2-B6F2CB2F0852}"/>
+              </a:ext>
+            </a:extLst>
+          </p:cNvPr>
+          <p:cNvSpPr>
+            <a:spLocks noGrp="1"/>
+          </p:cNvSpPr>
+          <p:nvPr>
+            <p:ph type="title"/>
+          </p:nvPr>
+        </p:nvSpPr>
+        <p:spPr/>
+        <p:txBody>
+          <a:bodyPr/>
+          <a:lstStyle/>
+          <a:p>
+            <a:r>
+              <a:rPr lang="en-US" dirty="0"/>
+              <a:t>Grouping the </a:t>
+            </a:r>
+            <a:r>
+              <a:rPr lang="en-US" dirty="0" err="1"/>
+              <a:t>zipcodes</a:t>
+            </a:r>
+            <a:endParaRPr lang="en-US" dirty="0"/>
+          </a:p>
+        </p:txBody>
+      </p:sp>
+      <p:pic>
+        <p:nvPicPr>
+          <p:cNvPr id="5" name="Content Placeholder 4" descr="Map&#10;&#10;Description automatically generated">
+            <a:extLst>
+              <a:ext uri="{FF2B5EF4-FFF2-40B4-BE49-F238E27FC236}">
+                <a16:creationId xmlns:a16="http://schemas.microsoft.com/office/drawing/2014/main" id="{56826971-CFB3-4E90-86E0-01AD80625B08}"/>
+              </a:ext>
+            </a:extLst>
+          </p:cNvPr>
+          <p:cNvPicPr>
+            <a:picLocks noGrp="1" noChangeAspect="1"/>
+          </p:cNvPicPr>
+          <p:nvPr>
+            <p:ph idx="1"/>
+          </p:nvPr>
+        </p:nvPicPr>
+        <p:blipFill>
+          <a:blip r:embed="rId2">
+            <a:extLst>
+              <a:ext uri="{28A0092B-C50C-407E-A947-70E740481C1C}">
+                <a14:useLocalDpi xmlns:a14="http://schemas.microsoft.com/office/drawing/2010/main" val="0"/>
+              </a:ext>
+            </a:extLst>
+          </a:blip>
+          <a:stretch>
+            <a:fillRect/>
+          </a:stretch>
+        </p:blipFill>
+        <p:spPr>
+          <a:xfrm>
+            <a:off x="3665828" y="2774677"/>
+            <a:ext cx="4680675" cy="3783012"/>
+          </a:xfrm>
+        </p:spPr>
+      </p:pic>
+      <p:sp>
+        <p:nvSpPr>
+          <p:cNvPr id="6" name="Content Placeholder 2">
+            <a:extLst>
+              <a:ext uri="{FF2B5EF4-FFF2-40B4-BE49-F238E27FC236}">
+                <a16:creationId xmlns:a16="http://schemas.microsoft.com/office/drawing/2014/main" id="{6B55764C-8655-4929-B0E2-037BE372513E}"/>
+              </a:ext>
+            </a:extLst>
+          </p:cNvPr>
+          <p:cNvSpPr txBox="1">
+            <a:spLocks/>
+          </p:cNvSpPr>
+          <p:nvPr/>
+        </p:nvSpPr>
+        <p:spPr>
+          <a:xfrm>
+            <a:off x="359566" y="1322245"/>
+            <a:ext cx="11293200" cy="4734000"/>
+          </a:xfrm>
+          <a:prstGeom prst="rect">
+            <a:avLst/>
+          </a:prstGeom>
+        </p:spPr>
+        <p:txBody>
+          <a:bodyPr vert="horz" wrap="square" lIns="0" tIns="0" rIns="91440" bIns="0" rtlCol="0">
+            <a:normAutofit/>
+          </a:bodyPr>
+          <a:lstStyle>
+            <a:lvl1pPr marL="450000" indent="-448056" algn="l" defTabSz="914400" rtl="0" eaLnBrk="1" latinLnBrk="0" hangingPunct="1">
+              <a:lnSpc>
+                <a:spcPct val="140000"/>
+              </a:lnSpc>
+              <a:spcBef>
+                <a:spcPts val="1000"/>
+              </a:spcBef>
+              <a:buFont typeface="Calibri Light" panose="020F0302020204030204" pitchFamily="34" charset="0"/>
+              <a:buChar char="→"/>
+              <a:defRPr sz="1800" kern="1200">
+                <a:solidFill>
+                  <a:schemeClr val="tx2">
+                    <a:alpha val="55000"/>
+                  </a:schemeClr>
+                </a:solidFill>
+                <a:latin typeface="+mn-lt"/>
+                <a:ea typeface="+mn-ea"/>
+                <a:cs typeface="+mn-cs"/>
+              </a:defRPr>
+            </a:lvl1pPr>
+            <a:lvl2pPr marL="900000" indent="-448056" algn="l" defTabSz="914400" rtl="0" eaLnBrk="1" latinLnBrk="0" hangingPunct="1">
+              <a:lnSpc>
+                <a:spcPct val="140000"/>
+              </a:lnSpc>
+              <a:spcBef>
+                <a:spcPts val="500"/>
+              </a:spcBef>
+              <a:buFont typeface="Calibri Light" panose="020F0302020204030204" pitchFamily="34" charset="0"/>
+              <a:buChar char="→"/>
+              <a:defRPr sz="1800" kern="1200">
+                <a:solidFill>
+                  <a:schemeClr val="tx2">
+                    <a:alpha val="55000"/>
+                  </a:schemeClr>
+                </a:solidFill>
+                <a:latin typeface="+mn-lt"/>
+                <a:ea typeface="+mn-ea"/>
+                <a:cs typeface="+mn-cs"/>
+              </a:defRPr>
+            </a:lvl2pPr>
+            <a:lvl3pPr marL="1350000" indent="-448056" algn="l" defTabSz="914400" rtl="0" eaLnBrk="1" latinLnBrk="0" hangingPunct="1">
+              <a:lnSpc>
+                <a:spcPct val="140000"/>
+              </a:lnSpc>
+              <a:spcBef>
+                <a:spcPts val="500"/>
+              </a:spcBef>
+              <a:buFont typeface="Calibri Light" panose="020F0302020204030204" pitchFamily="34" charset="0"/>
+              <a:buChar char="→"/>
+              <a:defRPr sz="1800" kern="1200">
+                <a:solidFill>
+                  <a:schemeClr val="tx2">
+                    <a:alpha val="55000"/>
+                  </a:schemeClr>
+                </a:solidFill>
+                <a:latin typeface="+mn-lt"/>
+                <a:ea typeface="+mn-ea"/>
+                <a:cs typeface="+mn-cs"/>
+              </a:defRPr>
+            </a:lvl3pPr>
+            <a:lvl4pPr marL="1800000" indent="-448056" algn="l" defTabSz="914400" rtl="0" eaLnBrk="1" latinLnBrk="0" hangingPunct="1">
+              <a:lnSpc>
+                <a:spcPct val="140000"/>
+              </a:lnSpc>
+              <a:spcBef>
+                <a:spcPts val="500"/>
+              </a:spcBef>
+              <a:buFont typeface="Calibri Light" panose="020F0302020204030204" pitchFamily="34" charset="0"/>
+              <a:buChar char="→"/>
+              <a:defRPr sz="1800" kern="1200">
+                <a:solidFill>
+                  <a:schemeClr val="tx2">
+                    <a:alpha val="55000"/>
+                  </a:schemeClr>
+                </a:solidFill>
+                <a:latin typeface="+mn-lt"/>
+                <a:ea typeface="+mn-ea"/>
+                <a:cs typeface="+mn-cs"/>
+              </a:defRPr>
+            </a:lvl4pPr>
+            <a:lvl5pPr marL="2250000" indent="-448056" algn="l" defTabSz="914400" rtl="0" eaLnBrk="1" latinLnBrk="0" hangingPunct="1">
+              <a:lnSpc>
+                <a:spcPct val="140000"/>
+              </a:lnSpc>
+              <a:spcBef>
+                <a:spcPts val="500"/>
+              </a:spcBef>
+              <a:buFont typeface="Calibri Light" panose="020F0302020204030204" pitchFamily="34" charset="0"/>
+              <a:buChar char="→"/>
+              <a:defRPr sz="1800" kern="1200">
+                <a:solidFill>
+                  <a:schemeClr val="tx2">
+                    <a:alpha val="55000"/>
+                  </a:schemeClr>
+                </a:solidFill>
+                <a:latin typeface="+mn-lt"/>
+                <a:ea typeface="+mn-ea"/>
+                <a:cs typeface="+mn-cs"/>
+              </a:defRPr>
+            </a:lvl5pPr>
+            <a:lvl6pPr marL="2514600" indent="-228600" algn="l" defTabSz="914400" rtl="0" eaLnBrk="1" latinLnBrk="0" hangingPunct="1">
+              <a:lnSpc>
+                <a:spcPct val="90000"/>
+              </a:lnSpc>
+              <a:spcBef>
+                <a:spcPts val="500"/>
+              </a:spcBef>
+              <a:buFont typeface="Arial" panose="020B0604020202020204" pitchFamily="34" charset="0"/>
+              <a:buChar char="•"/>
+              <a:defRPr sz="1800" kern="1200">
+                <a:solidFill>
+                  <a:schemeClr val="tx1"/>
+                </a:solidFill>
+                <a:latin typeface="+mn-lt"/>
+                <a:ea typeface="+mn-ea"/>
+                <a:cs typeface="+mn-cs"/>
+              </a:defRPr>
+            </a:lvl6pPr>
+            <a:lvl7pPr marL="2971800" indent="-228600" algn="l" defTabSz="914400" rtl="0" eaLnBrk="1" latinLnBrk="0" hangingPunct="1">
+              <a:lnSpc>
+                <a:spcPct val="90000"/>
+              </a:lnSpc>
+              <a:spcBef>
+                <a:spcPts val="500"/>
+              </a:spcBef>
+              <a:buFont typeface="Arial" panose="020B0604020202020204" pitchFamily="34" charset="0"/>
+              <a:buChar char="•"/>
+              <a:defRPr sz="1800" kern="1200">
+                <a:solidFill>
+                  <a:schemeClr val="tx1"/>
+                </a:solidFill>
+                <a:latin typeface="+mn-lt"/>
+                <a:ea typeface="+mn-ea"/>
+                <a:cs typeface="+mn-cs"/>
+              </a:defRPr>
+            </a:lvl7pPr>
+            <a:lvl8pPr marL="3429000" indent="-228600" algn="l" defTabSz="914400" rtl="0" eaLnBrk="1" latinLnBrk="0" hangingPunct="1">
+              <a:lnSpc>
+                <a:spcPct val="90000"/>
+              </a:lnSpc>
+              <a:spcBef>
+                <a:spcPts val="500"/>
+              </a:spcBef>
+              <a:buFont typeface="Arial" panose="020B0604020202020204" pitchFamily="34" charset="0"/>
+              <a:buChar char="•"/>
+              <a:defRPr sz="1800" kern="1200">
+                <a:solidFill>
+                  <a:schemeClr val="tx1"/>
+                </a:solidFill>
+                <a:latin typeface="+mn-lt"/>
+                <a:ea typeface="+mn-ea"/>
+                <a:cs typeface="+mn-cs"/>
+              </a:defRPr>
+            </a:lvl8pPr>
+            <a:lvl9pPr marL="3886200" indent="-228600" algn="l" defTabSz="914400" rtl="0" eaLnBrk="1" latinLnBrk="0" hangingPunct="1">
+              <a:lnSpc>
+                <a:spcPct val="90000"/>
+              </a:lnSpc>
+              <a:spcBef>
+                <a:spcPts val="500"/>
+              </a:spcBef>
+              <a:buFont typeface="Arial" panose="020B0604020202020204" pitchFamily="34" charset="0"/>
+              <a:buChar char="•"/>
+              <a:defRPr sz="1800" kern="1200">
+                <a:solidFill>
+                  <a:schemeClr val="tx1"/>
+                </a:solidFill>
+                <a:latin typeface="+mn-lt"/>
+                <a:ea typeface="+mn-ea"/>
+                <a:cs typeface="+mn-cs"/>
+              </a:defRPr>
+            </a:lvl9pPr>
+          </a:lstStyle>
+          <a:p>
+            <a:pPr>
+              <a:buFont typeface="+mj-lt"/>
+              <a:buAutoNum type="arabicPeriod"/>
+            </a:pPr>
+            <a:r>
+              <a:rPr lang="en-US" dirty="0"/>
+              <a:t>We divided the </a:t>
+            </a:r>
+            <a:r>
+              <a:rPr lang="en-US" dirty="0" err="1"/>
+              <a:t>zipcodes</a:t>
+            </a:r>
+            <a:r>
+              <a:rPr lang="en-US" dirty="0"/>
+              <a:t> in 5 groups depending how far away were they from the most expensive area (best place to live). </a:t>
+            </a:r>
+          </a:p>
+          <a:p>
+            <a:pPr>
+              <a:buFont typeface="+mj-lt"/>
+              <a:buAutoNum type="arabicPeriod"/>
+            </a:pPr>
+            <a:r>
+              <a:rPr lang="en-US" dirty="0"/>
+              <a:t>Since our election of </a:t>
+            </a:r>
+            <a:r>
+              <a:rPr lang="en-US" dirty="0" err="1"/>
+              <a:t>zipcodes</a:t>
+            </a:r>
+            <a:r>
+              <a:rPr lang="en-US" dirty="0"/>
+              <a:t> group was arbitrary, we didn't manage to find a better performing model.</a:t>
+            </a:r>
+          </a:p>
+          <a:p>
+            <a:pPr>
+              <a:buFont typeface="+mj-lt"/>
+              <a:buAutoNum type="arabicPeriod"/>
+            </a:pPr>
+            <a:endParaRPr lang="en-US" dirty="0"/>
+          </a:p>
         </p:txBody>
       </p:sp>
     </p:spTree>
     <p:extLst>
       <p:ext uri="{BB962C8B-B14F-4D97-AF65-F5344CB8AC3E}">
         <p14:creationId xmlns:p14="http://schemas.microsoft.com/office/powerpoint/2010/main" val="2265982517"/>
+      </p:ext>
+    </p:extLst>
+  </p:cSld>
+  <p:clrMapOvr>
+    <a:masterClrMapping/>
+  </p:clrMapOvr>
+</p:sld>
+</file>
+
+<file path=ppt/slides/slide7.xml><?xml version="1.0" encoding="utf-8"?>
+<p:sld xmlns:a="http://schemas.openxmlformats.org/drawingml/2006/main" xmlns:r="http://schemas.openxmlformats.org/officeDocument/2006/relationships" xmlns:p="http://schemas.openxmlformats.org/presentationml/2006/main">
+  <p:cSld>
+    <p:spTree>
+      <p:nvGrpSpPr>
+        <p:cNvPr id="1" name=""/>
+        <p:cNvGrpSpPr/>
+        <p:nvPr/>
+      </p:nvGrpSpPr>
+      <p:grpSpPr>
+        <a:xfrm>
+          <a:off x="0" y="0"/>
+          <a:ext cx="0" cy="0"/>
+          <a:chOff x="0" y="0"/>
+          <a:chExt cx="0" cy="0"/>
+        </a:xfrm>
+      </p:grpSpPr>
+      <p:sp>
+        <p:nvSpPr>
+          <p:cNvPr id="3" name="Content Placeholder 2">
+            <a:extLst>
+              <a:ext uri="{FF2B5EF4-FFF2-40B4-BE49-F238E27FC236}">
+                <a16:creationId xmlns:a16="http://schemas.microsoft.com/office/drawing/2014/main" id="{19CE9E4B-344A-4501-B2B4-D843D3D849FA}"/>
+              </a:ext>
+            </a:extLst>
+          </p:cNvPr>
+          <p:cNvSpPr>
+            <a:spLocks noGrp="1"/>
+          </p:cNvSpPr>
+          <p:nvPr>
+            <p:ph idx="1"/>
+          </p:nvPr>
+        </p:nvSpPr>
+        <p:spPr>
+          <a:xfrm>
+            <a:off x="448056" y="820804"/>
+            <a:ext cx="11293200" cy="3783013"/>
+          </a:xfrm>
+        </p:spPr>
+        <p:txBody>
+          <a:bodyPr>
+            <a:normAutofit/>
+          </a:bodyPr>
+          <a:lstStyle/>
+          <a:p>
+            <a:pPr marL="1944" indent="0" algn="ctr">
+              <a:buNone/>
+            </a:pPr>
+            <a:r>
+              <a:rPr lang="es-ES" sz="9600" dirty="0">
+                <a:solidFill>
+                  <a:schemeClr val="tx1">
+                    <a:alpha val="55000"/>
+                  </a:schemeClr>
+                </a:solidFill>
+              </a:rPr>
+              <a:t>THANK YOU!</a:t>
+            </a:r>
+          </a:p>
+        </p:txBody>
+      </p:sp>
+      <p:pic>
+        <p:nvPicPr>
+          <p:cNvPr id="5" name="Picture 4">
+            <a:extLst>
+              <a:ext uri="{FF2B5EF4-FFF2-40B4-BE49-F238E27FC236}">
+                <a16:creationId xmlns:a16="http://schemas.microsoft.com/office/drawing/2014/main" id="{233124E8-3355-45CB-B7F7-E9E69155D054}"/>
+              </a:ext>
+            </a:extLst>
+          </p:cNvPr>
+          <p:cNvPicPr>
+            <a:picLocks noChangeAspect="1"/>
+          </p:cNvPicPr>
+          <p:nvPr/>
+        </p:nvPicPr>
+        <p:blipFill>
+          <a:blip r:embed="rId2">
+            <a:extLst>
+              <a:ext uri="{28A0092B-C50C-407E-A947-70E740481C1C}">
+                <a14:useLocalDpi xmlns:a14="http://schemas.microsoft.com/office/drawing/2010/main" val="0"/>
+              </a:ext>
+            </a:extLst>
+          </a:blip>
+          <a:stretch>
+            <a:fillRect/>
+          </a:stretch>
+        </p:blipFill>
+        <p:spPr>
+          <a:xfrm>
+            <a:off x="4480588" y="2965142"/>
+            <a:ext cx="2661818" cy="2770711"/>
+          </a:xfrm>
+          <a:prstGeom prst="rect">
+            <a:avLst/>
+          </a:prstGeom>
+        </p:spPr>
+      </p:pic>
+    </p:spTree>
+    <p:extLst>
+      <p:ext uri="{BB962C8B-B14F-4D97-AF65-F5344CB8AC3E}">
+        <p14:creationId xmlns:p14="http://schemas.microsoft.com/office/powerpoint/2010/main" val="2667431875"/>
       </p:ext>
     </p:extLst>
   </p:cSld>
